--- a/slides/Checkpoint-1.pptx
+++ b/slides/Checkpoint-1.pptx
@@ -11,7 +11,6 @@
     <p:sldId id="256" r:id="rId8"/>
     <p:sldId id="257" r:id="rId9"/>
     <p:sldId id="258" r:id="rId10"/>
-    <p:sldId id="259" r:id="rId11"/>
   </p:sldIdLst>
   <p:sldSz cx="24384000" cy="13716000"/>
   <p:notesSz cx="6858000" cy="9144000"/>
@@ -2251,69 +2250,7 @@
       </p:sp>
       <p:sp>
         <p:nvSpPr>
-          <p:cNvPr id="3" name="Body Level One…"/>
-          <p:cNvSpPr txBox="1"/>
-          <p:nvPr>
-            <p:ph type="body" idx="1"/>
-          </p:nvPr>
-        </p:nvSpPr>
-        <p:spPr>
-          <a:xfrm>
-            <a:off x="1689100" y="3149600"/>
-            <a:ext cx="21005800" cy="9296400"/>
-          </a:xfrm>
-          <a:prstGeom prst="rect">
-            <a:avLst/>
-          </a:prstGeom>
-          <a:ln w="12700">
-            <a:miter lim="400000"/>
-          </a:ln>
-          <a:extLst>
-            <a:ext uri="{C572A759-6A51-4108-AA02-DFA0A04FC94B}">
-              <ma14:wrappingTextBoxFlag xmlns:ma14="http://schemas.microsoft.com/office/mac/drawingml/2011/main" val="1"/>
-            </a:ext>
-          </a:extLst>
-        </p:spPr>
-        <p:txBody>
-          <a:bodyPr lIns="50800" tIns="50800" rIns="50800" bIns="50800" anchor="ctr">
-            <a:normAutofit fontScale="100000" lnSpcReduction="0"/>
-          </a:bodyPr>
-          <a:lstStyle/>
-          <a:p>
-            <a:pPr/>
-            <a:r>
-              <a:t>Body Level One</a:t>
-            </a:r>
-          </a:p>
-          <a:p>
-            <a:pPr lvl="1"/>
-            <a:r>
-              <a:t>Body Level Two</a:t>
-            </a:r>
-          </a:p>
-          <a:p>
-            <a:pPr lvl="2"/>
-            <a:r>
-              <a:t>Body Level Three</a:t>
-            </a:r>
-          </a:p>
-          <a:p>
-            <a:pPr lvl="3"/>
-            <a:r>
-              <a:t>Body Level Four</a:t>
-            </a:r>
-          </a:p>
-          <a:p>
-            <a:pPr lvl="4"/>
-            <a:r>
-              <a:t>Body Level Five</a:t>
-            </a:r>
-          </a:p>
-        </p:txBody>
-      </p:sp>
-      <p:sp>
-        <p:nvSpPr>
-          <p:cNvPr id="4" name="Slide Number"/>
+          <p:cNvPr id="3" name="Slide Number"/>
           <p:cNvSpPr txBox="1"/>
           <p:nvPr>
             <p:ph type="sldNum" sz="quarter" idx="2"/>
@@ -2348,6 +2285,68 @@
           <a:p>
             <a:pPr/>
             <a:fld id="{86CB4B4D-7CA3-9044-876B-883B54F8677D}" type="slidenum"/>
+          </a:p>
+        </p:txBody>
+      </p:sp>
+      <p:sp>
+        <p:nvSpPr>
+          <p:cNvPr id="4" name="Body Level One…"/>
+          <p:cNvSpPr txBox="1"/>
+          <p:nvPr>
+            <p:ph type="body" idx="1"/>
+          </p:nvPr>
+        </p:nvSpPr>
+        <p:spPr>
+          <a:xfrm>
+            <a:off x="1689100" y="3149600"/>
+            <a:ext cx="21005800" cy="9296400"/>
+          </a:xfrm>
+          <a:prstGeom prst="rect">
+            <a:avLst/>
+          </a:prstGeom>
+          <a:ln w="12700">
+            <a:miter lim="400000"/>
+          </a:ln>
+          <a:extLst>
+            <a:ext uri="{C572A759-6A51-4108-AA02-DFA0A04FC94B}">
+              <ma14:wrappingTextBoxFlag xmlns:ma14="http://schemas.microsoft.com/office/mac/drawingml/2011/main" val="1"/>
+            </a:ext>
+          </a:extLst>
+        </p:spPr>
+        <p:txBody>
+          <a:bodyPr lIns="50800" tIns="50800" rIns="50800" bIns="50800" anchor="ctr">
+            <a:normAutofit fontScale="100000" lnSpcReduction="0"/>
+          </a:bodyPr>
+          <a:lstStyle/>
+          <a:p>
+            <a:pPr/>
+            <a:r>
+              <a:t>Body Level One</a:t>
+            </a:r>
+          </a:p>
+          <a:p>
+            <a:pPr lvl="1"/>
+            <a:r>
+              <a:t>Body Level Two</a:t>
+            </a:r>
+          </a:p>
+          <a:p>
+            <a:pPr lvl="2"/>
+            <a:r>
+              <a:t>Body Level Three</a:t>
+            </a:r>
+          </a:p>
+          <a:p>
+            <a:pPr lvl="3"/>
+            <a:r>
+              <a:t>Body Level Four</a:t>
+            </a:r>
+          </a:p>
+          <a:p>
+            <a:pPr lvl="4"/>
+            <a:r>
+              <a:t>Body Level Five</a:t>
+            </a:r>
           </a:p>
         </p:txBody>
       </p:sp>
@@ -3102,10 +3101,10 @@
       </p:grpSpPr>
       <p:sp>
         <p:nvSpPr>
-          <p:cNvPr id="128" name="Implement MILP solver within Qiskit Optimization"/>
+          <p:cNvPr id="128" name="#2 Implement MILP solver within Qiskit Optimization - About us"/>
           <p:cNvSpPr txBox="1"/>
           <p:nvPr>
-            <p:ph type="ctrTitle"/>
+            <p:ph type="title"/>
           </p:nvPr>
         </p:nvSpPr>
         <p:spPr>
@@ -3117,7 +3116,7 @@
           <a:bodyPr/>
           <a:lstStyle>
             <a:lvl1pPr>
-              <a:defRPr b="1" sz="6900">
+              <a:defRPr b="1" sz="4000">
                 <a:latin typeface="Helvetica Neue"/>
                 <a:ea typeface="Helvetica Neue"/>
                 <a:cs typeface="Helvetica Neue"/>
@@ -3128,23 +3127,23 @@
           <a:p>
             <a:pPr/>
             <a:r>
-              <a:t>Implement MILP solver within Qiskit Optimization</a:t>
+              <a:t>#2 Implement MILP solver within Qiskit Optimization - About us</a:t>
             </a:r>
           </a:p>
         </p:txBody>
       </p:sp>
       <p:sp>
         <p:nvSpPr>
-          <p:cNvPr id="129" name="QAMP-Checkpoint 1…"/>
+          <p:cNvPr id="129" name="I just graduated from TU Delft with a MSc Applied Physics.…"/>
           <p:cNvSpPr txBox="1"/>
           <p:nvPr>
-            <p:ph type="subTitle" sz="quarter" idx="1"/>
+            <p:ph type="body" idx="1"/>
           </p:nvPr>
         </p:nvSpPr>
         <p:spPr>
           <a:xfrm>
-            <a:off x="1778000" y="7073900"/>
-            <a:ext cx="20828000" cy="2383226"/>
+            <a:off x="596431" y="1947606"/>
+            <a:ext cx="16974795" cy="9296401"/>
           </a:xfrm>
           <a:prstGeom prst="rect">
             <a:avLst/>
@@ -3155,26 +3154,265 @@
           <a:lstStyle/>
           <a:p>
             <a:pPr>
-              <a:defRPr sz="4500"/>
+              <a:defRPr sz="4000"/>
             </a:pPr>
             <a:r>
-              <a:t>QAMP-Checkpoint 1</a:t>
+              <a:t>I just graduated from TU Delft with a MSc Applied Physics.</a:t>
+            </a:r>
+          </a:p>
+          <a:p>
+            <a:pPr lvl="1">
+              <a:defRPr sz="4000"/>
+            </a:pPr>
+            <a:r>
+              <a:t>Interest: Quantum network &amp; Quantum algorithm &amp; Error correction (mitigation)</a:t>
+            </a:r>
+          </a:p>
+          <a:p>
+            <a:pPr lvl="1">
+              <a:defRPr sz="4000"/>
+            </a:pPr>
+            <a:r>
+              <a:t>Now an intern @ Qunasys (a Tokyo startup focusing on quantum algorithm)</a:t>
+            </a:r>
+          </a:p>
+          <a:p>
+            <a:pPr lvl="1">
+              <a:defRPr sz="4000"/>
+            </a:pPr>
+            <a:r>
+              <a:t>I am a heavy fan for Formula 1🏎️</a:t>
             </a:r>
           </a:p>
           <a:p>
             <a:pPr>
-              <a:defRPr sz="4500"/>
+              <a:defRPr sz="4000"/>
             </a:pPr>
-            <a:r>
-              <a:t>Mentee: Yunzhe Zheng</a:t>
-            </a:r>
           </a:p>
           <a:p>
             <a:pPr>
-              <a:defRPr sz="4500"/>
+              <a:defRPr sz="4000"/>
             </a:pPr>
-            <a:r>
-              <a:t>Mentor: Takashi Imaichi</a:t>
+          </a:p>
+          <a:p>
+            <a:pPr>
+              <a:defRPr sz="4000"/>
+            </a:pPr>
+          </a:p>
+          <a:p>
+            <a:pPr>
+              <a:defRPr sz="4000"/>
+            </a:pPr>
+          </a:p>
+          <a:p>
+            <a:pPr>
+              <a:defRPr sz="4000"/>
+            </a:pPr>
+          </a:p>
+          <a:p>
+            <a:pPr>
+              <a:defRPr sz="4000"/>
+            </a:pPr>
+            <a:r>
+              <a:t>My mentor Takashi is a Research Scientist @ IBM Research -Tokyo</a:t>
+            </a:r>
+          </a:p>
+        </p:txBody>
+      </p:sp>
+      <p:pic>
+        <p:nvPicPr>
+          <p:cNvPr id="130" name="Image" descr="Image"/>
+          <p:cNvPicPr>
+            <a:picLocks noChangeAspect="1"/>
+          </p:cNvPicPr>
+          <p:nvPr/>
+        </p:nvPicPr>
+        <p:blipFill>
+          <a:blip r:embed="rId2">
+            <a:extLst/>
+          </a:blip>
+          <a:stretch>
+            <a:fillRect/>
+          </a:stretch>
+        </p:blipFill>
+        <p:spPr>
+          <a:xfrm>
+            <a:off x="19256488" y="9936517"/>
+            <a:ext cx="3844132" cy="3102102"/>
+          </a:xfrm>
+          <a:prstGeom prst="rect">
+            <a:avLst/>
+          </a:prstGeom>
+          <a:ln w="12700">
+            <a:miter lim="400000"/>
+          </a:ln>
+        </p:spPr>
+      </p:pic>
+      <p:pic>
+        <p:nvPicPr>
+          <p:cNvPr id="131" name="Image" descr="Image"/>
+          <p:cNvPicPr>
+            <a:picLocks noChangeAspect="1"/>
+          </p:cNvPicPr>
+          <p:nvPr/>
+        </p:nvPicPr>
+        <p:blipFill>
+          <a:blip r:embed="rId3">
+            <a:extLst/>
+          </a:blip>
+          <a:stretch>
+            <a:fillRect/>
+          </a:stretch>
+        </p:blipFill>
+        <p:spPr>
+          <a:xfrm>
+            <a:off x="17909266" y="2063099"/>
+            <a:ext cx="5720419" cy="3809423"/>
+          </a:xfrm>
+          <a:prstGeom prst="rect">
+            <a:avLst/>
+          </a:prstGeom>
+          <a:ln w="12700">
+            <a:miter lim="400000"/>
+          </a:ln>
+        </p:spPr>
+      </p:pic>
+      <p:pic>
+        <p:nvPicPr>
+          <p:cNvPr id="132" name="Image" descr="Image"/>
+          <p:cNvPicPr>
+            <a:picLocks noChangeAspect="1"/>
+          </p:cNvPicPr>
+          <p:nvPr/>
+        </p:nvPicPr>
+        <p:blipFill>
+          <a:blip r:embed="rId4">
+            <a:extLst/>
+          </a:blip>
+          <a:stretch>
+            <a:fillRect/>
+          </a:stretch>
+        </p:blipFill>
+        <p:spPr>
+          <a:xfrm>
+            <a:off x="2017836" y="6596577"/>
+            <a:ext cx="12677416" cy="2600496"/>
+          </a:xfrm>
+          <a:prstGeom prst="rect">
+            <a:avLst/>
+          </a:prstGeom>
+          <a:ln w="12700">
+            <a:miter lim="400000"/>
+          </a:ln>
+        </p:spPr>
+      </p:pic>
+      <p:sp>
+        <p:nvSpPr>
+          <p:cNvPr id="133" name="Work based on my master thesis"/>
+          <p:cNvSpPr txBox="1"/>
+          <p:nvPr/>
+        </p:nvSpPr>
+        <p:spPr>
+          <a:xfrm>
+            <a:off x="7595604" y="8166825"/>
+            <a:ext cx="6046471" cy="560449"/>
+          </a:xfrm>
+          <a:prstGeom prst="rect">
+            <a:avLst/>
+          </a:prstGeom>
+          <a:ln w="12700">
+            <a:miter lim="400000"/>
+          </a:ln>
+          <a:extLst>
+            <a:ext uri="{C572A759-6A51-4108-AA02-DFA0A04FC94B}">
+              <ma14:wrappingTextBoxFlag xmlns:ma14="http://schemas.microsoft.com/office/mac/drawingml/2011/main" val="1"/>
+            </a:ext>
+          </a:extLst>
+        </p:spPr>
+        <p:txBody>
+          <a:bodyPr wrap="none" lIns="50800" tIns="50800" rIns="50800" bIns="50800" anchor="ctr">
+            <a:spAutoFit/>
+          </a:bodyPr>
+          <a:lstStyle/>
+          <a:p>
+            <a:pPr/>
+            <a:r>
+              <a:t>Work based on my master thesis</a:t>
+            </a:r>
+          </a:p>
+        </p:txBody>
+      </p:sp>
+      <p:sp>
+        <p:nvSpPr>
+          <p:cNvPr id="134" name="Slide Number"/>
+          <p:cNvSpPr txBox="1"/>
+          <p:nvPr>
+            <p:ph type="sldNum" sz="quarter" idx="2"/>
+          </p:nvPr>
+        </p:nvSpPr>
+        <p:spPr>
+          <a:xfrm>
+            <a:off x="12043765" y="13081000"/>
+            <a:ext cx="283770" cy="461059"/>
+          </a:xfrm>
+          <a:prstGeom prst="rect">
+            <a:avLst/>
+          </a:prstGeom>
+          <a:extLst>
+            <a:ext uri="{C572A759-6A51-4108-AA02-DFA0A04FC94B}">
+              <ma14:wrappingTextBoxFlag xmlns:ma14="http://schemas.microsoft.com/office/mac/drawingml/2011/main" val="1"/>
+            </a:ext>
+          </a:extLst>
+        </p:spPr>
+        <p:txBody>
+          <a:bodyPr/>
+          <a:lstStyle/>
+          <a:p>
+            <a:pPr/>
+            <a:fld id="{86CB4B4D-7CA3-9044-876B-883B54F8677D}" type="slidenum"/>
+          </a:p>
+        </p:txBody>
+      </p:sp>
+      <p:sp>
+        <p:nvSpPr>
+          <p:cNvPr id="135" name="#2 Implement MILP solver within Qiskit Optimization"/>
+          <p:cNvSpPr txBox="1"/>
+          <p:nvPr/>
+        </p:nvSpPr>
+        <p:spPr>
+          <a:xfrm>
+            <a:off x="253540" y="13031305"/>
+            <a:ext cx="9599296" cy="560449"/>
+          </a:xfrm>
+          <a:prstGeom prst="rect">
+            <a:avLst/>
+          </a:prstGeom>
+          <a:ln w="12700">
+            <a:miter lim="400000"/>
+          </a:ln>
+          <a:extLst>
+            <a:ext uri="{C572A759-6A51-4108-AA02-DFA0A04FC94B}">
+              <ma14:wrappingTextBoxFlag xmlns:ma14="http://schemas.microsoft.com/office/mac/drawingml/2011/main" val="1"/>
+            </a:ext>
+          </a:extLst>
+        </p:spPr>
+        <p:txBody>
+          <a:bodyPr wrap="none" lIns="50800" tIns="50800" rIns="50800" bIns="50800" anchor="ctr">
+            <a:spAutoFit/>
+          </a:bodyPr>
+          <a:lstStyle>
+            <a:lvl1pPr>
+              <a:defRPr>
+                <a:solidFill>
+                  <a:srgbClr val="D5D5D5"/>
+                </a:solidFill>
+              </a:defRPr>
+            </a:lvl1pPr>
+          </a:lstStyle>
+          <a:p>
+            <a:pPr/>
+            <a:r>
+              <a:t>#2 Implement MILP solver within Qiskit Optimization</a:t>
             </a:r>
           </a:p>
         </p:txBody>
@@ -3207,13 +3445,17 @@
       </p:grpSpPr>
       <p:sp>
         <p:nvSpPr>
-          <p:cNvPr id="131" name="About us"/>
+          <p:cNvPr id="137" name="Motivation"/>
           <p:cNvSpPr txBox="1"/>
           <p:nvPr>
             <p:ph type="title"/>
           </p:nvPr>
         </p:nvSpPr>
         <p:spPr>
+          <a:xfrm>
+            <a:off x="-12700" y="-25400"/>
+            <a:ext cx="21005800" cy="1567855"/>
+          </a:xfrm>
           <a:prstGeom prst="rect">
             <a:avLst/>
           </a:prstGeom>
@@ -3224,20 +3466,24 @@
           <a:p>
             <a:pPr/>
             <a:r>
-              <a:t>About us</a:t>
+              <a:t>Motivation</a:t>
             </a:r>
           </a:p>
         </p:txBody>
       </p:sp>
       <p:sp>
         <p:nvSpPr>
-          <p:cNvPr id="132" name="I (Yunzhe) was a MSc Applied Physics @ TU Delft.…"/>
+          <p:cNvPr id="138" name="Mixed-Interger Linear Programming (MILP) solver…"/>
           <p:cNvSpPr txBox="1"/>
           <p:nvPr>
             <p:ph type="body" idx="1"/>
           </p:nvPr>
         </p:nvSpPr>
         <p:spPr>
+          <a:xfrm>
+            <a:off x="1308100" y="2209800"/>
+            <a:ext cx="21914347" cy="9296400"/>
+          </a:xfrm>
           <a:prstGeom prst="rect">
             <a:avLst/>
           </a:prstGeom>
@@ -3248,32 +3494,46 @@
           <a:p>
             <a:pPr/>
             <a:r>
-              <a:t>I (Yunzhe) was a MSc Applied Physics @ TU Delft.</a:t>
-            </a:r>
-          </a:p>
-          <a:p>
-            <a:pPr/>
-          </a:p>
-          <a:p>
-            <a:pPr/>
-          </a:p>
-          <a:p>
-            <a:pPr/>
-          </a:p>
-          <a:p>
-            <a:pPr/>
-          </a:p>
-          <a:p>
-            <a:pPr/>
-            <a:r>
-              <a:t>My mentor Takashi is a Research Scientist @ IBM Tokyo</a:t>
+              <a:t>Mixed-Interger Linear Programming (MILP) solver</a:t>
+            </a:r>
+          </a:p>
+          <a:p>
+            <a:pPr lvl="1"/>
+            <a:r>
+              <a:t>A powerful solver that allows part of variables to take only integer values.</a:t>
+            </a:r>
+          </a:p>
+          <a:p>
+            <a:pPr lvl="1"/>
+          </a:p>
+          <a:p>
+            <a:pPr lvl="1"/>
+            <a:r>
+              <a:rPr i="1"/>
+              <a:t>scipy.optimize.milp</a:t>
+            </a:r>
+            <a:r>
+              <a:t> come out with Scipy v1.9.0 (July 29 2022)</a:t>
+            </a:r>
+          </a:p>
+          <a:p>
+            <a:pPr lvl="1"/>
+          </a:p>
+          <a:p>
+            <a:pPr lvl="1"/>
+            <a:r>
+              <a:t>Useful for many problems, but not incorporated with </a:t>
+            </a:r>
+            <a:r>
+              <a:rPr i="1"/>
+              <a:t>Qiskit Optimization.</a:t>
             </a:r>
           </a:p>
         </p:txBody>
       </p:sp>
       <p:pic>
         <p:nvPicPr>
-          <p:cNvPr id="133" name="Image" descr="Image"/>
+          <p:cNvPr id="139" name="Image" descr="Image"/>
           <p:cNvPicPr>
             <a:picLocks noChangeAspect="1"/>
           </p:cNvPicPr>
@@ -3289,8 +3549,8 @@
         </p:blipFill>
         <p:spPr>
           <a:xfrm>
-            <a:off x="1390650" y="7537450"/>
-            <a:ext cx="6654608" cy="5370072"/>
+            <a:off x="6183846" y="8658573"/>
+            <a:ext cx="11440340" cy="2268623"/>
           </a:xfrm>
           <a:prstGeom prst="rect">
             <a:avLst/>
@@ -3302,7 +3562,7 @@
       </p:pic>
       <p:pic>
         <p:nvPicPr>
-          <p:cNvPr id="134" name="Image" descr="Image"/>
+          <p:cNvPr id="140" name="Image" descr="Image"/>
           <p:cNvPicPr>
             <a:picLocks noChangeAspect="1"/>
           </p:cNvPicPr>
@@ -3318,8 +3578,8 @@
         </p:blipFill>
         <p:spPr>
           <a:xfrm>
-            <a:off x="16389350" y="996950"/>
-            <a:ext cx="7228456" cy="4813675"/>
+            <a:off x="16499651" y="192548"/>
+            <a:ext cx="6517011" cy="2907217"/>
           </a:xfrm>
           <a:prstGeom prst="rect">
             <a:avLst/>
@@ -3329,6 +3589,81 @@
           </a:ln>
         </p:spPr>
       </p:pic>
+      <p:sp>
+        <p:nvSpPr>
+          <p:cNvPr id="141" name="Slide Number"/>
+          <p:cNvSpPr txBox="1"/>
+          <p:nvPr>
+            <p:ph type="sldNum" sz="quarter" idx="2"/>
+          </p:nvPr>
+        </p:nvSpPr>
+        <p:spPr>
+          <a:xfrm>
+            <a:off x="12043765" y="13081000"/>
+            <a:ext cx="283770" cy="461059"/>
+          </a:xfrm>
+          <a:prstGeom prst="rect">
+            <a:avLst/>
+          </a:prstGeom>
+          <a:extLst>
+            <a:ext uri="{C572A759-6A51-4108-AA02-DFA0A04FC94B}">
+              <ma14:wrappingTextBoxFlag xmlns:ma14="http://schemas.microsoft.com/office/mac/drawingml/2011/main" val="1"/>
+            </a:ext>
+          </a:extLst>
+        </p:spPr>
+        <p:txBody>
+          <a:bodyPr/>
+          <a:lstStyle/>
+          <a:p>
+            <a:pPr/>
+            <a:fld id="{86CB4B4D-7CA3-9044-876B-883B54F8677D}" type="slidenum"/>
+          </a:p>
+        </p:txBody>
+      </p:sp>
+      <p:sp>
+        <p:nvSpPr>
+          <p:cNvPr id="142" name="#2 Implement MILP solver within Qiskit Optimization"/>
+          <p:cNvSpPr txBox="1"/>
+          <p:nvPr/>
+        </p:nvSpPr>
+        <p:spPr>
+          <a:xfrm>
+            <a:off x="253540" y="13031304"/>
+            <a:ext cx="9599296" cy="560449"/>
+          </a:xfrm>
+          <a:prstGeom prst="rect">
+            <a:avLst/>
+          </a:prstGeom>
+          <a:ln w="12700">
+            <a:miter lim="400000"/>
+          </a:ln>
+          <a:extLst>
+            <a:ext uri="{C572A759-6A51-4108-AA02-DFA0A04FC94B}">
+              <ma14:wrappingTextBoxFlag xmlns:ma14="http://schemas.microsoft.com/office/mac/drawingml/2011/main" val="1"/>
+            </a:ext>
+          </a:extLst>
+        </p:spPr>
+        <p:txBody>
+          <a:bodyPr wrap="none" lIns="50800" tIns="50800" rIns="50800" bIns="50800" anchor="ctr">
+            <a:spAutoFit/>
+          </a:bodyPr>
+          <a:lstStyle>
+            <a:lvl1pPr>
+              <a:defRPr>
+                <a:solidFill>
+                  <a:srgbClr val="D5D5D5"/>
+                </a:solidFill>
+              </a:defRPr>
+            </a:lvl1pPr>
+          </a:lstStyle>
+          <a:p>
+            <a:pPr/>
+            <a:r>
+              <a:t>#2 Implement MILP solver within Qiskit Optimization</a:t>
+            </a:r>
+          </a:p>
+        </p:txBody>
+      </p:sp>
     </p:spTree>
   </p:cSld>
   <p:clrMapOvr>
@@ -3357,150 +3692,7 @@
       </p:grpSpPr>
       <p:sp>
         <p:nvSpPr>
-          <p:cNvPr id="136" name="Motivation"/>
-          <p:cNvSpPr txBox="1"/>
-          <p:nvPr>
-            <p:ph type="title"/>
-          </p:nvPr>
-        </p:nvSpPr>
-        <p:spPr>
-          <a:xfrm>
-            <a:off x="-12700" y="-25400"/>
-            <a:ext cx="21005800" cy="1567855"/>
-          </a:xfrm>
-          <a:prstGeom prst="rect">
-            <a:avLst/>
-          </a:prstGeom>
-        </p:spPr>
-        <p:txBody>
-          <a:bodyPr/>
-          <a:lstStyle/>
-          <a:p>
-            <a:pPr/>
-            <a:r>
-              <a:t>Motivation</a:t>
-            </a:r>
-          </a:p>
-        </p:txBody>
-      </p:sp>
-      <p:sp>
-        <p:nvSpPr>
-          <p:cNvPr id="137" name="Mixed-Interger Linear Programming (MILP) solver…"/>
-          <p:cNvSpPr txBox="1"/>
-          <p:nvPr>
-            <p:ph type="body" idx="1"/>
-          </p:nvPr>
-        </p:nvSpPr>
-        <p:spPr>
-          <a:xfrm>
-            <a:off x="1308100" y="2209800"/>
-            <a:ext cx="21914347" cy="9296400"/>
-          </a:xfrm>
-          <a:prstGeom prst="rect">
-            <a:avLst/>
-          </a:prstGeom>
-        </p:spPr>
-        <p:txBody>
-          <a:bodyPr/>
-          <a:lstStyle/>
-          <a:p>
-            <a:pPr/>
-            <a:r>
-              <a:t>Mixed-Interger Linear Programming (MILP) solver</a:t>
-            </a:r>
-          </a:p>
-          <a:p>
-            <a:pPr lvl="1"/>
-            <a:r>
-              <a:t>A powerful solver that allows part of variables to take only integer values.</a:t>
-            </a:r>
-          </a:p>
-          <a:p>
-            <a:pPr lvl="1"/>
-          </a:p>
-          <a:p>
-            <a:pPr lvl="1"/>
-            <a:r>
-              <a:rPr i="1"/>
-              <a:t>scipy.optimize.milp</a:t>
-            </a:r>
-            <a:r>
-              <a:t> come out with Scipy v1.9.0 (July 29 2022)</a:t>
-            </a:r>
-          </a:p>
-          <a:p>
-            <a:pPr lvl="1"/>
-          </a:p>
-          <a:p>
-            <a:pPr lvl="1"/>
-            <a:r>
-              <a:t>Useful for many problems, but not incorporated with </a:t>
-            </a:r>
-            <a:r>
-              <a:rPr i="1"/>
-              <a:t>Qiskit Optimization.</a:t>
-            </a:r>
-          </a:p>
-        </p:txBody>
-      </p:sp>
-      <p:pic>
-        <p:nvPicPr>
-          <p:cNvPr id="138" name="Image" descr="Image"/>
-          <p:cNvPicPr>
-            <a:picLocks noChangeAspect="1"/>
-          </p:cNvPicPr>
-          <p:nvPr/>
-        </p:nvPicPr>
-        <p:blipFill>
-          <a:blip r:embed="rId2">
-            <a:extLst/>
-          </a:blip>
-          <a:stretch>
-            <a:fillRect/>
-          </a:stretch>
-        </p:blipFill>
-        <p:spPr>
-          <a:xfrm>
-            <a:off x="1689100" y="9271000"/>
-            <a:ext cx="10603863" cy="2102749"/>
-          </a:xfrm>
-          <a:prstGeom prst="rect">
-            <a:avLst/>
-          </a:prstGeom>
-          <a:ln w="12700">
-            <a:miter lim="400000"/>
-          </a:ln>
-        </p:spPr>
-      </p:pic>
-    </p:spTree>
-  </p:cSld>
-  <p:clrMapOvr>
-    <a:masterClrMapping/>
-  </p:clrMapOvr>
-  <p:transition xmlns:p14="http://schemas.microsoft.com/office/powerpoint/2010/main" spd="med" advClick="1"/>
-</p:sld>
-</file>
-
-<file path=ppt/slides/slide4.xml><?xml version="1.0" encoding="utf-8"?>
-<p:sld xmlns:a="http://schemas.openxmlformats.org/drawingml/2006/main" xmlns:r="http://schemas.openxmlformats.org/officeDocument/2006/relationships" xmlns:p="http://schemas.openxmlformats.org/presentationml/2006/main" xmlns:m="http://schemas.openxmlformats.org/officeDocument/2006/math" xmlns:a14="http://schemas.microsoft.com/office/drawing/2010/main" showMasterSp="1" showMasterPhAnim="1">
-  <p:cSld>
-    <p:spTree>
-      <p:nvGrpSpPr>
-        <p:cNvPr id="1" name=""/>
-        <p:cNvGrpSpPr/>
-        <p:nvPr/>
-      </p:nvGrpSpPr>
-      <p:grpSpPr>
-        <a:xfrm>
-          <a:off x="0" y="0"/>
-          <a:ext cx="0" cy="0"/>
-          <a:chOff x="0" y="0"/>
-          <a:chExt cx="0" cy="0"/>
-        </a:xfrm>
-      </p:grpSpPr>
-      <p:sp>
-        <p:nvSpPr>
-          <p:cNvPr id="140" name="Why we need MILP for Qiskit?"/>
+          <p:cNvPr id="144" name="Why we need MILP for Qiskit?"/>
           <p:cNvSpPr txBox="1"/>
           <p:nvPr>
             <p:ph type="title"/>
@@ -3524,7 +3716,7 @@
       </p:sp>
       <p:sp>
         <p:nvSpPr>
-          <p:cNvPr id="141" name="In qiskit-optimization, we can use CPLEX and Gurobi to solve quadratic problems…"/>
+          <p:cNvPr id="145" name="In qiskit-optimization, we can use CPLEX and Gurobi to solve quadratic problems…"/>
           <p:cNvSpPr txBox="1"/>
           <p:nvPr>
             <p:ph type="body" idx="1"/>
@@ -3547,7 +3739,7 @@
           <a:p>
             <a:pPr lvl="1"/>
             <a:r>
-              <a:t>but they are commercial APIs and limited by free access!</a:t>
+              <a:t>but they are commercial APIs and limited by free access! (# of variables &amp; constraints)</a:t>
             </a:r>
           </a:p>
           <a:p>
@@ -3572,7 +3764,7 @@
             </a:r>
             <a:r>
               <a:rPr i="1"/>
-              <a:t>MILPOptimizer`</a:t>
+              <a:t>SciPyMILPOptimizer`</a:t>
             </a:r>
             <a:r>
               <a:t> class in `</a:t>
@@ -3581,12 +3773,86 @@
               <a:rPr i="1"/>
               <a:t>qiskit_optimization.algorithms`</a:t>
             </a:r>
-            <a:endParaRPr i="1"/>
           </a:p>
           <a:p>
             <a:pPr lvl="1"/>
             <a:r>
-              <a:t>Qiskit-optimization users will freely solve linear problems with out limitation!</a:t>
+              <a:t>A tutorial introducing how to use our new optimizer!</a:t>
+            </a:r>
+          </a:p>
+        </p:txBody>
+      </p:sp>
+      <p:sp>
+        <p:nvSpPr>
+          <p:cNvPr id="146" name="Slide Number"/>
+          <p:cNvSpPr txBox="1"/>
+          <p:nvPr>
+            <p:ph type="sldNum" sz="quarter" idx="2"/>
+          </p:nvPr>
+        </p:nvSpPr>
+        <p:spPr>
+          <a:xfrm>
+            <a:off x="12043765" y="13081000"/>
+            <a:ext cx="283770" cy="461059"/>
+          </a:xfrm>
+          <a:prstGeom prst="rect">
+            <a:avLst/>
+          </a:prstGeom>
+          <a:extLst>
+            <a:ext uri="{C572A759-6A51-4108-AA02-DFA0A04FC94B}">
+              <ma14:wrappingTextBoxFlag xmlns:ma14="http://schemas.microsoft.com/office/mac/drawingml/2011/main" val="1"/>
+            </a:ext>
+          </a:extLst>
+        </p:spPr>
+        <p:txBody>
+          <a:bodyPr/>
+          <a:lstStyle/>
+          <a:p>
+            <a:pPr/>
+            <a:fld id="{86CB4B4D-7CA3-9044-876B-883B54F8677D}" type="slidenum"/>
+          </a:p>
+        </p:txBody>
+      </p:sp>
+      <p:sp>
+        <p:nvSpPr>
+          <p:cNvPr id="147" name="#2 Implement MILP solver within Qiskit Optimization"/>
+          <p:cNvSpPr txBox="1"/>
+          <p:nvPr/>
+        </p:nvSpPr>
+        <p:spPr>
+          <a:xfrm>
+            <a:off x="253540" y="13031304"/>
+            <a:ext cx="9599296" cy="560449"/>
+          </a:xfrm>
+          <a:prstGeom prst="rect">
+            <a:avLst/>
+          </a:prstGeom>
+          <a:ln w="12700">
+            <a:miter lim="400000"/>
+          </a:ln>
+          <a:extLst>
+            <a:ext uri="{C572A759-6A51-4108-AA02-DFA0A04FC94B}">
+              <ma14:wrappingTextBoxFlag xmlns:ma14="http://schemas.microsoft.com/office/mac/drawingml/2011/main" val="1"/>
+            </a:ext>
+          </a:extLst>
+        </p:spPr>
+        <p:txBody>
+          <a:bodyPr wrap="none" lIns="50800" tIns="50800" rIns="50800" bIns="50800" anchor="ctr">
+            <a:spAutoFit/>
+          </a:bodyPr>
+          <a:lstStyle>
+            <a:lvl1pPr>
+              <a:defRPr>
+                <a:solidFill>
+                  <a:srgbClr val="D5D5D5"/>
+                </a:solidFill>
+              </a:defRPr>
+            </a:lvl1pPr>
+          </a:lstStyle>
+          <a:p>
+            <a:pPr/>
+            <a:r>
+              <a:t>#2 Implement MILP solver within Qiskit Optimization</a:t>
             </a:r>
           </a:p>
         </p:txBody>

--- a/slides/Checkpoint-1.pptx
+++ b/slides/Checkpoint-1.pptx
@@ -3492,22 +3492,30 @@
           <a:bodyPr/>
           <a:lstStyle/>
           <a:p>
-            <a:pPr/>
+            <a:pPr>
+              <a:defRPr sz="5200"/>
+            </a:pPr>
             <a:r>
               <a:t>Mixed-Interger Linear Programming (MILP) solver</a:t>
             </a:r>
           </a:p>
           <a:p>
-            <a:pPr lvl="1"/>
+            <a:pPr lvl="1">
+              <a:defRPr sz="5200"/>
+            </a:pPr>
             <a:r>
               <a:t>A powerful solver that allows part of variables to take only integer values.</a:t>
             </a:r>
           </a:p>
           <a:p>
-            <a:pPr lvl="1"/>
-          </a:p>
-          <a:p>
-            <a:pPr lvl="1"/>
+            <a:pPr lvl="1">
+              <a:defRPr sz="5200"/>
+            </a:pPr>
+          </a:p>
+          <a:p>
+            <a:pPr lvl="1">
+              <a:defRPr sz="5200"/>
+            </a:pPr>
             <a:r>
               <a:rPr i="1"/>
               <a:t>scipy.optimize.milp</a:t>
@@ -3517,12 +3525,16 @@
             </a:r>
           </a:p>
           <a:p>
-            <a:pPr lvl="1"/>
-          </a:p>
-          <a:p>
-            <a:pPr lvl="1"/>
-            <a:r>
-              <a:t>Useful for many problems, but not incorporated with </a:t>
+            <a:pPr lvl="1">
+              <a:defRPr sz="5200"/>
+            </a:pPr>
+          </a:p>
+          <a:p>
+            <a:pPr lvl="1">
+              <a:defRPr sz="5200"/>
+            </a:pPr>
+            <a:r>
+              <a:t>Useful for many linear problems, but not incorporated with </a:t>
             </a:r>
             <a:r>
               <a:rPr i="1"/>
@@ -3549,8 +3561,8 @@
         </p:blipFill>
         <p:spPr>
           <a:xfrm>
-            <a:off x="6183846" y="8658573"/>
-            <a:ext cx="11440340" cy="2268623"/>
+            <a:off x="11277892" y="9988268"/>
+            <a:ext cx="11440340" cy="2268624"/>
           </a:xfrm>
           <a:prstGeom prst="rect">
             <a:avLst/>
@@ -3578,7 +3590,7 @@
         </p:blipFill>
         <p:spPr>
           <a:xfrm>
-            <a:off x="16499651" y="192548"/>
+            <a:off x="1794682" y="9500419"/>
             <a:ext cx="6517011" cy="2907217"/>
           </a:xfrm>
           <a:prstGeom prst="rect">
@@ -3716,7 +3728,7 @@
       </p:sp>
       <p:sp>
         <p:nvSpPr>
-          <p:cNvPr id="145" name="In qiskit-optimization, we can use CPLEX and Gurobi to solve quadratic problems…"/>
+          <p:cNvPr id="145" name="In qiskit-optimization, we can use CPLEX and Gurobi to classically solve quadratic problems…"/>
           <p:cNvSpPr txBox="1"/>
           <p:nvPr>
             <p:ph type="body" idx="1"/>
@@ -3733,7 +3745,7 @@
           <a:p>
             <a:pPr/>
             <a:r>
-              <a:t>In qiskit-optimization, we can use CPLEX and Gurobi to solve quadratic problems </a:t>
+              <a:t>In qiskit-optimization, we can use CPLEX and Gurobi to classically solve quadratic problems </a:t>
             </a:r>
           </a:p>
           <a:p>
@@ -3853,6 +3865,51 @@
             <a:pPr/>
             <a:r>
               <a:t>#2 Implement MILP solver within Qiskit Optimization</a:t>
+            </a:r>
+          </a:p>
+        </p:txBody>
+      </p:sp>
+      <p:sp>
+        <p:nvSpPr>
+          <p:cNvPr id="148" name="** Our work is fully about classical optimizers."/>
+          <p:cNvSpPr txBox="1"/>
+          <p:nvPr/>
+        </p:nvSpPr>
+        <p:spPr>
+          <a:xfrm>
+            <a:off x="14662786" y="13024941"/>
+            <a:ext cx="8740230" cy="573177"/>
+          </a:xfrm>
+          <a:prstGeom prst="rect">
+            <a:avLst/>
+          </a:prstGeom>
+          <a:ln w="12700">
+            <a:miter lim="400000"/>
+          </a:ln>
+          <a:extLst>
+            <a:ext uri="{C572A759-6A51-4108-AA02-DFA0A04FC94B}">
+              <ma14:wrappingTextBoxFlag xmlns:ma14="http://schemas.microsoft.com/office/mac/drawingml/2011/main" val="1"/>
+            </a:ext>
+          </a:extLst>
+        </p:spPr>
+        <p:txBody>
+          <a:bodyPr wrap="none" lIns="50800" tIns="50800" rIns="50800" bIns="50800" anchor="ctr">
+            <a:spAutoFit/>
+          </a:bodyPr>
+          <a:lstStyle>
+            <a:lvl1pPr marL="635000" indent="-635000" algn="l">
+              <a:spcBef>
+                <a:spcPts val="1000"/>
+              </a:spcBef>
+              <a:buSzPct val="125000"/>
+              <a:buChar char="•"/>
+              <a:defRPr b="0" sz="3100"/>
+            </a:lvl1pPr>
+          </a:lstStyle>
+          <a:p>
+            <a:pPr/>
+            <a:r>
+              <a:t>** Our work is fully about classical optimizers.</a:t>
             </a:r>
           </a:p>
         </p:txBody>
